--- a/Ptts.pptx
+++ b/Ptts.pptx
@@ -120,6 +120,22 @@
       </a:defRPr>
     </a:lvl9pPr>
   </p:defaultTextStyle>
+  <p:extLst>
+    <p:ext uri="{EFAFB233-063F-42B5-8137-9DF3F51BA10A}">
+      <p15:sldGuideLst xmlns:p15="http://schemas.microsoft.com/office/powerpoint/2012/main">
+        <p15:guide id="1" orient="horz" pos="2160">
+          <p15:clr>
+            <a:srgbClr val="A4A3A4"/>
+          </p15:clr>
+        </p15:guide>
+        <p15:guide id="2" pos="2880">
+          <p15:clr>
+            <a:srgbClr val="A4A3A4"/>
+          </p15:clr>
+        </p15:guide>
+      </p15:sldGuideLst>
+    </p:ext>
+  </p:extLst>
 </p:presentation>
 </file>
 
@@ -376,7 +392,7 @@
           <a:p>
             <a:fld id="{9B1DB7B1-5F87-4686-A291-C95A961BAB46}" type="datetimeFigureOut">
               <a:rPr lang="en-US" smtClean="0"/>
-              <a:t>4/17/2015</a:t>
+              <a:t>4/18/2015</a:t>
             </a:fld>
             <a:endParaRPr lang="en-US"/>
           </a:p>
@@ -589,7 +605,7 @@
           <a:p>
             <a:fld id="{9B1DB7B1-5F87-4686-A291-C95A961BAB46}" type="datetimeFigureOut">
               <a:rPr lang="en-US" smtClean="0"/>
-              <a:t>4/17/2015</a:t>
+              <a:t>4/18/2015</a:t>
             </a:fld>
             <a:endParaRPr lang="en-US"/>
           </a:p>
@@ -856,7 +872,7 @@
           <a:p>
             <a:fld id="{9B1DB7B1-5F87-4686-A291-C95A961BAB46}" type="datetimeFigureOut">
               <a:rPr lang="en-US" smtClean="0"/>
-              <a:t>4/17/2015</a:t>
+              <a:t>4/18/2015</a:t>
             </a:fld>
             <a:endParaRPr lang="en-US"/>
           </a:p>
@@ -1006,7 +1022,7 @@
           <a:p>
             <a:fld id="{9B1DB7B1-5F87-4686-A291-C95A961BAB46}" type="datetimeFigureOut">
               <a:rPr lang="en-US" smtClean="0"/>
-              <a:t>4/17/2015</a:t>
+              <a:t>4/18/2015</a:t>
             </a:fld>
             <a:endParaRPr lang="en-US"/>
           </a:p>
@@ -1336,7 +1352,7 @@
           <a:p>
             <a:fld id="{9B1DB7B1-5F87-4686-A291-C95A961BAB46}" type="datetimeFigureOut">
               <a:rPr lang="en-US" smtClean="0"/>
-              <a:t>4/17/2015</a:t>
+              <a:t>4/18/2015</a:t>
             </a:fld>
             <a:endParaRPr lang="en-US"/>
           </a:p>
@@ -1644,7 +1660,7 @@
           <a:p>
             <a:fld id="{9B1DB7B1-5F87-4686-A291-C95A961BAB46}" type="datetimeFigureOut">
               <a:rPr lang="en-US" smtClean="0"/>
-              <a:t>4/17/2015</a:t>
+              <a:t>4/18/2015</a:t>
             </a:fld>
             <a:endParaRPr lang="en-US"/>
           </a:p>
@@ -2065,7 +2081,7 @@
           <a:p>
             <a:fld id="{9B1DB7B1-5F87-4686-A291-C95A961BAB46}" type="datetimeFigureOut">
               <a:rPr lang="en-US" smtClean="0"/>
-              <a:t>4/17/2015</a:t>
+              <a:t>4/18/2015</a:t>
             </a:fld>
             <a:endParaRPr lang="en-US"/>
           </a:p>
@@ -2178,7 +2194,7 @@
           <a:p>
             <a:fld id="{9B1DB7B1-5F87-4686-A291-C95A961BAB46}" type="datetimeFigureOut">
               <a:rPr lang="en-US" smtClean="0"/>
-              <a:t>4/17/2015</a:t>
+              <a:t>4/18/2015</a:t>
             </a:fld>
             <a:endParaRPr lang="en-US"/>
           </a:p>
@@ -2337,7 +2353,7 @@
           <a:p>
             <a:fld id="{9B1DB7B1-5F87-4686-A291-C95A961BAB46}" type="datetimeFigureOut">
               <a:rPr lang="en-US" smtClean="0"/>
-              <a:t>4/17/2015</a:t>
+              <a:t>4/18/2015</a:t>
             </a:fld>
             <a:endParaRPr lang="en-US"/>
           </a:p>
@@ -2721,7 +2737,7 @@
           <a:p>
             <a:fld id="{9B1DB7B1-5F87-4686-A291-C95A961BAB46}" type="datetimeFigureOut">
               <a:rPr lang="en-US" smtClean="0"/>
-              <a:t>4/17/2015</a:t>
+              <a:t>4/18/2015</a:t>
             </a:fld>
             <a:endParaRPr lang="en-US"/>
           </a:p>
@@ -3083,7 +3099,7 @@
           <a:p>
             <a:fld id="{9B1DB7B1-5F87-4686-A291-C95A961BAB46}" type="datetimeFigureOut">
               <a:rPr lang="en-US" smtClean="0"/>
-              <a:t>4/17/2015</a:t>
+              <a:t>4/18/2015</a:t>
             </a:fld>
             <a:endParaRPr lang="en-US"/>
           </a:p>
@@ -3417,7 +3433,7 @@
           <a:p>
             <a:fld id="{9B1DB7B1-5F87-4686-A291-C95A961BAB46}" type="datetimeFigureOut">
               <a:rPr lang="en-US" smtClean="0"/>
-              <a:t>4/17/2015</a:t>
+              <a:t>4/18/2015</a:t>
             </a:fld>
             <a:endParaRPr lang="en-US"/>
           </a:p>
@@ -4896,7 +4912,11 @@
           <a:p>
             <a:r>
               <a:rPr lang="es-PE" dirty="0" smtClean="0"/>
-              <a:t>US02: Como </a:t>
+              <a:t>US02: </a:t>
+            </a:r>
+            <a:r>
+              <a:rPr lang="es-PE" dirty="0" smtClean="0"/>
+              <a:t>Como </a:t>
             </a:r>
             <a:r>
               <a:rPr lang="es-PE" dirty="0"/>
@@ -4910,21 +4930,11 @@
           <a:p>
             <a:r>
               <a:rPr lang="es-PE" dirty="0" smtClean="0"/>
-              <a:t>US03: Como </a:t>
-            </a:r>
-            <a:r>
-              <a:rPr lang="es-PE" dirty="0"/>
-              <a:t>Usuario Natural y empresa debo especificar el tipo de cuenta que tendré en el sistema (Natural o empresa) para tener acceso a diferentes funcionalidades</a:t>
+              <a:t>US03: </a:t>
             </a:r>
             <a:r>
               <a:rPr lang="es-PE" dirty="0" smtClean="0"/>
-              <a:t>.</a:t>
-            </a:r>
-          </a:p>
-          <a:p>
-            <a:r>
-              <a:rPr lang="es-PE" dirty="0" smtClean="0"/>
-              <a:t>US04: Como </a:t>
+              <a:t>Como </a:t>
             </a:r>
             <a:r>
               <a:rPr lang="es-PE" dirty="0"/>
@@ -5064,7 +5074,7 @@
           <a:p>
             <a:r>
               <a:rPr lang="es-PE" dirty="0" smtClean="0"/>
-              <a:t>US05: </a:t>
+              <a:t>US04: </a:t>
             </a:r>
             <a:r>
               <a:rPr lang="es-PE" dirty="0"/>
@@ -5075,7 +5085,7 @@
           <a:p>
             <a:r>
               <a:rPr lang="es-PE" dirty="0" smtClean="0"/>
-              <a:t>US06: </a:t>
+              <a:t>US05: </a:t>
             </a:r>
             <a:r>
               <a:rPr lang="es-PE" dirty="0"/>
@@ -5086,7 +5096,7 @@
           <a:p>
             <a:r>
               <a:rPr lang="es-PE" dirty="0" smtClean="0"/>
-              <a:t>US07: </a:t>
+              <a:t>US06: </a:t>
             </a:r>
             <a:r>
               <a:rPr lang="es-PE" dirty="0"/>
@@ -5097,7 +5107,7 @@
           <a:p>
             <a:r>
               <a:rPr lang="es-PE" dirty="0" smtClean="0"/>
-              <a:t>US08: </a:t>
+              <a:t>US07: </a:t>
             </a:r>
             <a:r>
               <a:rPr lang="es-PE" dirty="0"/>
@@ -5235,7 +5245,7 @@
           <a:p>
             <a:r>
               <a:rPr lang="es-PE" dirty="0" smtClean="0"/>
-              <a:t>US09: </a:t>
+              <a:t>US08: </a:t>
             </a:r>
             <a:r>
               <a:rPr lang="es-PE" dirty="0"/>
@@ -5246,7 +5256,7 @@
           <a:p>
             <a:r>
               <a:rPr lang="es-PE" dirty="0" smtClean="0"/>
-              <a:t>US10: </a:t>
+              <a:t>US09: </a:t>
             </a:r>
             <a:r>
               <a:rPr lang="es-PE" dirty="0"/>
@@ -5257,7 +5267,7 @@
           <a:p>
             <a:r>
               <a:rPr lang="es-PE" dirty="0" smtClean="0"/>
-              <a:t>US11: </a:t>
+              <a:t>US10: </a:t>
             </a:r>
             <a:r>
               <a:rPr lang="es-PE" dirty="0"/>
@@ -5268,11 +5278,11 @@
           <a:p>
             <a:r>
               <a:rPr lang="es-PE" dirty="0" smtClean="0"/>
-              <a:t>US12:</a:t>
+              <a:t>US11:Como </a:t>
             </a:r>
             <a:r>
               <a:rPr lang="es-PE" dirty="0"/>
-              <a:t>Como usuario conductor de empresa debo poder actualizar la información de la capacidad disponible de mi vehículo en cada paradero.</a:t>
+              <a:t>usuario conductor de empresa debo poder actualizar la información de la capacidad disponible de mi vehículo en cada paradero.</a:t>
             </a:r>
             <a:endParaRPr lang="en-US" dirty="0"/>
           </a:p>
@@ -5399,7 +5409,7 @@
           <a:p>
             <a:r>
               <a:rPr lang="es-PE" dirty="0" smtClean="0"/>
-              <a:t>US13: </a:t>
+              <a:t>US12: </a:t>
             </a:r>
             <a:r>
               <a:rPr lang="es-PE" dirty="0"/>
@@ -5410,7 +5420,7 @@
           <a:p>
             <a:r>
               <a:rPr lang="es-PE" dirty="0" smtClean="0"/>
-              <a:t>US14: </a:t>
+              <a:t>US13: </a:t>
             </a:r>
             <a:r>
               <a:rPr lang="es-PE" dirty="0"/>
@@ -5429,7 +5439,7 @@
           <a:p>
             <a:r>
               <a:rPr lang="es-PE" dirty="0" smtClean="0"/>
-              <a:t>US15: </a:t>
+              <a:t>US14: </a:t>
             </a:r>
             <a:r>
               <a:rPr lang="es-PE" dirty="0"/>
@@ -5440,7 +5450,7 @@
           <a:p>
             <a:r>
               <a:rPr lang="es-PE" dirty="0" smtClean="0"/>
-              <a:t>US16: </a:t>
+              <a:t>US15: </a:t>
             </a:r>
             <a:r>
               <a:rPr lang="es-PE" dirty="0"/>
@@ -5575,7 +5585,7 @@
           <a:p>
             <a:r>
               <a:rPr lang="es-PE" dirty="0" smtClean="0"/>
-              <a:t>US17: </a:t>
+              <a:t>US16: </a:t>
             </a:r>
             <a:r>
               <a:rPr lang="es-PE" dirty="0"/>
@@ -5594,7 +5604,7 @@
           <a:p>
             <a:r>
               <a:rPr lang="es-PE" dirty="0" smtClean="0"/>
-              <a:t>US18: </a:t>
+              <a:t>US17: </a:t>
             </a:r>
             <a:r>
               <a:rPr lang="es-PE" dirty="0"/>
@@ -5605,7 +5615,7 @@
           <a:p>
             <a:r>
               <a:rPr lang="es-PE" dirty="0" smtClean="0"/>
-              <a:t>US19: </a:t>
+              <a:t>US18: </a:t>
             </a:r>
             <a:r>
               <a:rPr lang="es-PE" dirty="0"/>
@@ -5736,7 +5746,7 @@
           <a:p>
             <a:r>
               <a:rPr lang="es-PE" dirty="0" smtClean="0"/>
-              <a:t>US20: </a:t>
+              <a:t>US19: </a:t>
             </a:r>
             <a:r>
               <a:rPr lang="es-PE" dirty="0"/>
@@ -5756,7 +5766,7 @@
           <a:p>
             <a:r>
               <a:rPr lang="es-PE" dirty="0" smtClean="0"/>
-              <a:t>US21: </a:t>
+              <a:t>US20: </a:t>
             </a:r>
             <a:r>
               <a:rPr lang="es-PE" dirty="0"/>

--- a/Ptts.pptx
+++ b/Ptts.pptx
@@ -21,7 +21,9 @@
     <p:sldId id="270" r:id="rId15"/>
     <p:sldId id="271" r:id="rId16"/>
     <p:sldId id="272" r:id="rId17"/>
-    <p:sldId id="263" r:id="rId18"/>
+    <p:sldId id="274" r:id="rId18"/>
+    <p:sldId id="275" r:id="rId19"/>
+    <p:sldId id="263" r:id="rId20"/>
   </p:sldIdLst>
   <p:sldSz cx="9144000" cy="6858000" type="screen4x3"/>
   <p:notesSz cx="6858000" cy="9144000"/>
@@ -122,7 +124,7 @@
   </p:defaultTextStyle>
   <p:extLst>
     <p:ext uri="{EFAFB233-063F-42B5-8137-9DF3F51BA10A}">
-      <p15:sldGuideLst xmlns:p15="http://schemas.microsoft.com/office/powerpoint/2012/main">
+      <p15:sldGuideLst xmlns:p15="http://schemas.microsoft.com/office/powerpoint/2012/main" xmlns="">
         <p15:guide id="1" orient="horz" pos="2160">
           <p15:clr>
             <a:srgbClr val="A4A3A4"/>
@@ -4762,6 +4764,228 @@
       </p:grpSpPr>
       <p:sp>
         <p:nvSpPr>
+          <p:cNvPr id="2" name="1 Marcador de contenido"/>
+          <p:cNvSpPr>
+            <a:spLocks noGrp="1"/>
+          </p:cNvSpPr>
+          <p:nvPr>
+            <p:ph idx="1"/>
+          </p:nvPr>
+        </p:nvSpPr>
+        <p:spPr/>
+        <p:txBody>
+          <a:bodyPr/>
+          <a:lstStyle/>
+          <a:p>
+            <a:r>
+              <a:rPr lang="es-PE" dirty="0" smtClean="0"/>
+              <a:t>Este estilo consiste en que los componentes de una aplicación proveen servicios hacia otros componentes a través de protocolos de comunicación (contratos).</a:t>
+            </a:r>
+            <a:endParaRPr lang="es-PE" dirty="0"/>
+          </a:p>
+          <a:p>
+            <a:endParaRPr lang="es-PE" dirty="0" smtClean="0"/>
+          </a:p>
+          <a:p>
+            <a:pPr lvl="1"/>
+            <a:r>
+              <a:rPr lang="es-PE" dirty="0" smtClean="0"/>
+              <a:t>Contrato estandarizado: Entre proveedor y consumidor.</a:t>
+            </a:r>
+          </a:p>
+          <a:p>
+            <a:pPr lvl="1"/>
+            <a:r>
+              <a:rPr lang="es-PE" dirty="0" smtClean="0"/>
+              <a:t>Bajo acoplamiento: Uso de mensajes y orquestación.</a:t>
+            </a:r>
+          </a:p>
+          <a:p>
+            <a:pPr lvl="1"/>
+            <a:r>
+              <a:rPr lang="es-PE" dirty="0" smtClean="0"/>
+              <a:t>Abstracción: El servicio funciona como una caja negra.</a:t>
+            </a:r>
+          </a:p>
+          <a:p>
+            <a:pPr lvl="1"/>
+            <a:r>
+              <a:rPr lang="es-PE" dirty="0" smtClean="0"/>
+              <a:t>Reusabilidad: El servicio es accesible a través de un directorio.</a:t>
+            </a:r>
+          </a:p>
+          <a:p>
+            <a:pPr lvl="1"/>
+            <a:r>
+              <a:rPr lang="es-PE" dirty="0" smtClean="0"/>
+              <a:t>Autonomía: El servicio no debería tener dependencias con otros servicios externos.</a:t>
+            </a:r>
+            <a:endParaRPr lang="es-PE" dirty="0"/>
+          </a:p>
+        </p:txBody>
+      </p:sp>
+      <p:sp>
+        <p:nvSpPr>
+          <p:cNvPr id="3" name="2 Título"/>
+          <p:cNvSpPr>
+            <a:spLocks noGrp="1"/>
+          </p:cNvSpPr>
+          <p:nvPr>
+            <p:ph type="title"/>
+          </p:nvPr>
+        </p:nvSpPr>
+        <p:spPr/>
+        <p:txBody>
+          <a:bodyPr/>
+          <a:lstStyle/>
+          <a:p>
+            <a:r>
+              <a:rPr lang="es-PE" dirty="0" smtClean="0"/>
+              <a:t>SOA</a:t>
+            </a:r>
+            <a:endParaRPr lang="es-PE" dirty="0"/>
+          </a:p>
+        </p:txBody>
+      </p:sp>
+    </p:spTree>
+    <p:extLst>
+      <p:ext uri="{BB962C8B-B14F-4D97-AF65-F5344CB8AC3E}">
+        <p14:creationId xmlns:p14="http://schemas.microsoft.com/office/powerpoint/2010/main" val="4261439510"/>
+      </p:ext>
+    </p:extLst>
+  </p:cSld>
+  <p:clrMapOvr>
+    <a:masterClrMapping/>
+  </p:clrMapOvr>
+</p:sld>
+</file>
+
+<file path=ppt/slides/slide18.xml><?xml version="1.0" encoding="utf-8"?>
+<p:sld xmlns:a="http://schemas.openxmlformats.org/drawingml/2006/main" xmlns:r="http://schemas.openxmlformats.org/officeDocument/2006/relationships" xmlns:p="http://schemas.openxmlformats.org/presentationml/2006/main">
+  <p:cSld>
+    <p:spTree>
+      <p:nvGrpSpPr>
+        <p:cNvPr id="1" name=""/>
+        <p:cNvGrpSpPr/>
+        <p:nvPr/>
+      </p:nvGrpSpPr>
+      <p:grpSpPr>
+        <a:xfrm>
+          <a:off x="0" y="0"/>
+          <a:ext cx="0" cy="0"/>
+          <a:chOff x="0" y="0"/>
+          <a:chExt cx="0" cy="0"/>
+        </a:xfrm>
+      </p:grpSpPr>
+      <p:sp>
+        <p:nvSpPr>
+          <p:cNvPr id="2" name="1 Marcador de contenido"/>
+          <p:cNvSpPr>
+            <a:spLocks noGrp="1"/>
+          </p:cNvSpPr>
+          <p:nvPr>
+            <p:ph idx="1"/>
+          </p:nvPr>
+        </p:nvSpPr>
+        <p:spPr/>
+        <p:txBody>
+          <a:bodyPr/>
+          <a:lstStyle/>
+          <a:p>
+            <a:r>
+              <a:rPr lang="es-PE" dirty="0" smtClean="0"/>
+              <a:t>La Municipalidad Metropolitana de Lima necesita que la información este ampliamente distribuida. Para esto se estructurará la lógica de negocio en servicios para que puedan ser accedidos desde cualquier parte.</a:t>
+            </a:r>
+          </a:p>
+          <a:p>
+            <a:r>
+              <a:rPr lang="es-PE" dirty="0" smtClean="0"/>
+              <a:t>El negocio principal de la organización no gira alrededor de un alto volumen de transacciones sincrónicas en tiempo real.</a:t>
+            </a:r>
+          </a:p>
+          <a:p>
+            <a:r>
+              <a:rPr lang="es-PE" dirty="0" smtClean="0"/>
+              <a:t>La organización es grande y opera con una red heterogénea que consume servicios de diferentes proveedores y entrega funcionalidad a diferentes consumidores, lo cual evita la amenaza de la dependencia de un solo </a:t>
+            </a:r>
+            <a:r>
+              <a:rPr lang="es-PE" dirty="0" err="1" smtClean="0"/>
+              <a:t>provedor</a:t>
+            </a:r>
+            <a:r>
+              <a:rPr lang="es-PE" smtClean="0"/>
+              <a:t>.</a:t>
+            </a:r>
+            <a:endParaRPr lang="es-PE" dirty="0" smtClean="0"/>
+          </a:p>
+          <a:p>
+            <a:endParaRPr lang="es-PE" dirty="0"/>
+          </a:p>
+        </p:txBody>
+      </p:sp>
+      <p:sp>
+        <p:nvSpPr>
+          <p:cNvPr id="3" name="2 Título"/>
+          <p:cNvSpPr>
+            <a:spLocks noGrp="1"/>
+          </p:cNvSpPr>
+          <p:nvPr>
+            <p:ph type="title"/>
+          </p:nvPr>
+        </p:nvSpPr>
+        <p:spPr/>
+        <p:txBody>
+          <a:bodyPr/>
+          <a:lstStyle/>
+          <a:p>
+            <a:r>
+              <a:rPr lang="es-PE" dirty="0" smtClean="0"/>
+              <a:t>¿Por qué </a:t>
+            </a:r>
+            <a:r>
+              <a:rPr lang="es-PE" dirty="0" err="1" smtClean="0"/>
+              <a:t>soa</a:t>
+            </a:r>
+            <a:r>
+              <a:rPr lang="es-PE" dirty="0" smtClean="0"/>
+              <a:t>?</a:t>
+            </a:r>
+            <a:endParaRPr lang="es-PE" dirty="0"/>
+          </a:p>
+        </p:txBody>
+      </p:sp>
+    </p:spTree>
+    <p:extLst>
+      <p:ext uri="{BB962C8B-B14F-4D97-AF65-F5344CB8AC3E}">
+        <p14:creationId xmlns:p14="http://schemas.microsoft.com/office/powerpoint/2010/main" val="1737359037"/>
+      </p:ext>
+    </p:extLst>
+  </p:cSld>
+  <p:clrMapOvr>
+    <a:masterClrMapping/>
+  </p:clrMapOvr>
+</p:sld>
+</file>
+
+<file path=ppt/slides/slide19.xml><?xml version="1.0" encoding="utf-8"?>
+<p:sld xmlns:a="http://schemas.openxmlformats.org/drawingml/2006/main" xmlns:r="http://schemas.openxmlformats.org/officeDocument/2006/relationships" xmlns:p="http://schemas.openxmlformats.org/presentationml/2006/main">
+  <p:cSld>
+    <p:spTree>
+      <p:nvGrpSpPr>
+        <p:cNvPr id="1" name=""/>
+        <p:cNvGrpSpPr/>
+        <p:nvPr/>
+      </p:nvGrpSpPr>
+      <p:grpSpPr>
+        <a:xfrm>
+          <a:off x="0" y="0"/>
+          <a:ext cx="0" cy="0"/>
+          <a:chOff x="0" y="0"/>
+          <a:chExt cx="0" cy="0"/>
+        </a:xfrm>
+      </p:grpSpPr>
+      <p:sp>
+        <p:nvSpPr>
           <p:cNvPr id="3" name="2 Título"/>
           <p:cNvSpPr>
             <a:spLocks noGrp="1"/>
@@ -4912,11 +5136,7 @@
           <a:p>
             <a:r>
               <a:rPr lang="es-PE" dirty="0" smtClean="0"/>
-              <a:t>US02: </a:t>
-            </a:r>
-            <a:r>
-              <a:rPr lang="es-PE" dirty="0" smtClean="0"/>
-              <a:t>Como </a:t>
+              <a:t>US02: Como </a:t>
             </a:r>
             <a:r>
               <a:rPr lang="es-PE" dirty="0"/>
@@ -4930,11 +5150,7 @@
           <a:p>
             <a:r>
               <a:rPr lang="es-PE" dirty="0" smtClean="0"/>
-              <a:t>US03: </a:t>
-            </a:r>
-            <a:r>
-              <a:rPr lang="es-PE" dirty="0" smtClean="0"/>
-              <a:t>Como </a:t>
+              <a:t>US03: Como </a:t>
             </a:r>
             <a:r>
               <a:rPr lang="es-PE" dirty="0"/>
